--- a/John Nelson - DF15 - PowerPoint Presentation - Dreamforce.pptx
+++ b/John Nelson - DF15 - PowerPoint Presentation - Dreamforce.pptx
@@ -4760,7 +4760,48 @@
             </a:pPr>
             <a:r>
               <a:rPr lang="en-US" baseline="0" dirty="0" smtClean="0"/>
-              <a:t> INTEGRATE.  Use Continuous Integration with Circle CI</a:t>
+              <a:t> INTEGRATE.  Use Continuous Integration with Circle CI and Cumulus CI scripts.  </a:t>
+            </a:r>
+          </a:p>
+          <a:p>
+            <a:pPr marL="685800" marR="0" lvl="1" indent="-228600" algn="l" defTabSz="914400" rtl="0" eaLnBrk="1" fontAlgn="auto" latinLnBrk="0" hangingPunct="1">
+              <a:lnSpc>
+                <a:spcPct val="100000"/>
+              </a:lnSpc>
+              <a:spcBef>
+                <a:spcPts val="0"/>
+              </a:spcBef>
+              <a:spcAft>
+                <a:spcPts val="0"/>
+              </a:spcAft>
+              <a:buClr>
+                <a:schemeClr val="dk1"/>
+              </a:buClr>
+              <a:buSzTx/>
+              <a:buFont typeface="Arial"/>
+              <a:buAutoNum type="arabicParenR"/>
+              <a:tabLst/>
+              <a:defRPr/>
+            </a:pPr>
+            <a:r>
+              <a:rPr lang="en-US" baseline="0" dirty="0" smtClean="0"/>
+              <a:t>Cumulus CI Ant build files helps glue </a:t>
+            </a:r>
+            <a:r>
+              <a:rPr lang="en-US" baseline="0" dirty="0" err="1" smtClean="0"/>
+              <a:t>Git</a:t>
+            </a:r>
+            <a:r>
+              <a:rPr lang="en-US" baseline="0" dirty="0" smtClean="0"/>
+              <a:t>, </a:t>
+            </a:r>
+            <a:r>
+              <a:rPr lang="en-US" baseline="0" dirty="0" err="1" smtClean="0"/>
+              <a:t>CircleCI</a:t>
+            </a:r>
+            <a:r>
+              <a:rPr lang="en-US" baseline="0" dirty="0" smtClean="0"/>
+              <a:t>, ANT, and Salesforce together</a:t>
             </a:r>
             <a:endParaRPr lang="en-US" dirty="0"/>
           </a:p>
@@ -4891,6 +4932,15 @@
             <a:r>
               <a:rPr lang="en-US" dirty="0" smtClean="0"/>
               <a:t>23:15 Minutes</a:t>
+            </a:r>
+          </a:p>
+          <a:p>
+            <a:endParaRPr lang="en-US" dirty="0" smtClean="0"/>
+          </a:p>
+          <a:p>
+            <a:r>
+              <a:rPr lang="en-US" dirty="0" smtClean="0"/>
+              <a:t>(4 minutes)</a:t>
             </a:r>
             <a:endParaRPr lang="en-US" dirty="0"/>
           </a:p>
@@ -5140,7 +5190,7 @@
           <a:p>
             <a:r>
               <a:rPr lang="en-US" dirty="0" smtClean="0"/>
-              <a:t>26:15 Minutes</a:t>
+              <a:t>27:15 Minutes</a:t>
             </a:r>
           </a:p>
           <a:p>
@@ -5297,7 +5347,7 @@
           <a:p>
             <a:r>
               <a:rPr lang="en-US" dirty="0" smtClean="0"/>
-              <a:t>28:15 Minutes</a:t>
+              <a:t>29:15 Minutes</a:t>
             </a:r>
             <a:endParaRPr lang="en-US" dirty="0"/>
           </a:p>
@@ -5648,7 +5698,12 @@
             <p:ph type="sldImg"/>
           </p:nvPr>
         </p:nvSpPr>
-        <p:spPr/>
+        <p:spPr>
+          <a:xfrm>
+            <a:off x="407988" y="696913"/>
+            <a:ext cx="6194425" cy="3486150"/>
+          </a:xfrm>
+        </p:spPr>
       </p:sp>
       <p:sp>
         <p:nvSpPr>
@@ -10388,206 +10443,6 @@
               <a:buChar char="​"/>
             </a:pPr>
             <a:r>
-              <a:rPr lang="en-US" sz="1600" b="0" i="0" u="none" strike="noStrike" cap="none" baseline="0" dirty="0" smtClean="0">
-                <a:solidFill>
-                  <a:schemeClr val="accent1"/>
-                </a:solidFill>
-                <a:latin typeface="Arial"/>
-                <a:ea typeface="Arial"/>
-                <a:cs typeface="Arial"/>
-                <a:sym typeface="Arial"/>
-              </a:rPr>
-              <a:t>John Aaron Nelson</a:t>
-            </a:r>
-            <a:endParaRPr lang="en-US" sz="1600" b="0" i="0" u="none" strike="noStrike" cap="none" baseline="0" dirty="0">
-              <a:solidFill>
-                <a:schemeClr val="accent1"/>
-              </a:solidFill>
-              <a:latin typeface="Arial"/>
-              <a:ea typeface="Arial"/>
-              <a:cs typeface="Arial"/>
-              <a:sym typeface="Arial"/>
-            </a:endParaRPr>
-          </a:p>
-          <a:p>
-            <a:pPr marL="0" marR="0" lvl="0" indent="0" algn="l" rtl="0">
-              <a:lnSpc>
-                <a:spcPct val="100000"/>
-              </a:lnSpc>
-              <a:spcBef>
-                <a:spcPts val="0"/>
-              </a:spcBef>
-              <a:spcAft>
-                <a:spcPts val="0"/>
-              </a:spcAft>
-              <a:buClr>
-                <a:srgbClr val="7F7F7F"/>
-              </a:buClr>
-              <a:buSzPct val="100000"/>
-              <a:buFont typeface="Arial"/>
-              <a:buChar char="​"/>
-            </a:pPr>
-            <a:r>
-              <a:rPr lang="en-US" sz="1600" b="0" i="0" u="none" strike="noStrike" cap="none" baseline="0" dirty="0" smtClean="0">
-                <a:solidFill>
-                  <a:schemeClr val="accent1"/>
-                </a:solidFill>
-                <a:latin typeface="Arial"/>
-                <a:ea typeface="Arial"/>
-                <a:cs typeface="Arial"/>
-                <a:sym typeface="Arial"/>
-              </a:rPr>
-              <a:t>Senior</a:t>
-            </a:r>
-            <a:r>
-              <a:rPr lang="en-US" sz="1600" b="0" i="0" u="none" strike="noStrike" cap="none" dirty="0" smtClean="0">
-                <a:solidFill>
-                  <a:schemeClr val="accent1"/>
-                </a:solidFill>
-                <a:latin typeface="Arial"/>
-                <a:ea typeface="Arial"/>
-                <a:cs typeface="Arial"/>
-                <a:sym typeface="Arial"/>
-              </a:rPr>
-              <a:t> Front End Developer</a:t>
-            </a:r>
-            <a:endParaRPr lang="en-US" sz="1600" b="0" i="0" u="none" strike="noStrike" cap="none" baseline="0" dirty="0">
-              <a:solidFill>
-                <a:schemeClr val="accent1"/>
-              </a:solidFill>
-              <a:latin typeface="Arial"/>
-              <a:ea typeface="Arial"/>
-              <a:cs typeface="Arial"/>
-              <a:sym typeface="Arial"/>
-            </a:endParaRPr>
-          </a:p>
-          <a:p>
-            <a:pPr marL="0" marR="0" lvl="0" indent="0" algn="l" rtl="0">
-              <a:lnSpc>
-                <a:spcPct val="100000"/>
-              </a:lnSpc>
-              <a:spcBef>
-                <a:spcPts val="0"/>
-              </a:spcBef>
-              <a:spcAft>
-                <a:spcPts val="0"/>
-              </a:spcAft>
-              <a:buClr>
-                <a:srgbClr val="7F7F7F"/>
-              </a:buClr>
-              <a:buSzPct val="100000"/>
-              <a:buFont typeface="Arial"/>
-              <a:buChar char="​"/>
-            </a:pPr>
-            <a:r>
-              <a:rPr lang="en-US" sz="1600" dirty="0" err="1">
-                <a:solidFill>
-                  <a:schemeClr val="accent1"/>
-                </a:solidFill>
-              </a:rPr>
-              <a:t>j</a:t>
-            </a:r>
-            <a:r>
-              <a:rPr lang="en-US" sz="1600" dirty="0" err="1" smtClean="0">
-                <a:solidFill>
-                  <a:schemeClr val="accent1"/>
-                </a:solidFill>
-              </a:rPr>
-              <a:t>ohn.nelson</a:t>
-            </a:r>
-            <a:r>
-              <a:rPr lang="en-US" sz="1600" b="0" i="0" u="none" strike="noStrike" cap="none" baseline="0" dirty="0" err="1" smtClean="0">
-                <a:solidFill>
-                  <a:schemeClr val="accent1"/>
-                </a:solidFill>
-                <a:latin typeface="Arial"/>
-                <a:ea typeface="Arial"/>
-                <a:cs typeface="Arial"/>
-                <a:sym typeface="Arial"/>
-              </a:rPr>
-              <a:t>@codescience.com</a:t>
-            </a:r>
-            <a:endParaRPr lang="en-US" sz="1600" b="0" i="0" u="none" strike="noStrike" cap="none" baseline="0" dirty="0">
-              <a:solidFill>
-                <a:schemeClr val="accent1"/>
-              </a:solidFill>
-              <a:latin typeface="Arial"/>
-              <a:ea typeface="Arial"/>
-              <a:cs typeface="Arial"/>
-              <a:sym typeface="Arial"/>
-            </a:endParaRPr>
-          </a:p>
-          <a:p>
-            <a:pPr marL="0" marR="0" lvl="0" indent="0" algn="l" rtl="0">
-              <a:lnSpc>
-                <a:spcPct val="100000"/>
-              </a:lnSpc>
-              <a:spcBef>
-                <a:spcPts val="0"/>
-              </a:spcBef>
-              <a:spcAft>
-                <a:spcPts val="0"/>
-              </a:spcAft>
-              <a:buClr>
-                <a:srgbClr val="7F7F7F"/>
-              </a:buClr>
-              <a:buSzPct val="100000"/>
-              <a:buFont typeface="Arial"/>
-              <a:buChar char="​"/>
-            </a:pPr>
-            <a:r>
-              <a:rPr lang="en-US" sz="1600" b="0" i="0" u="none" strike="noStrike" cap="none" baseline="0" dirty="0" smtClean="0">
-                <a:solidFill>
-                  <a:schemeClr val="accent1"/>
-                </a:solidFill>
-                <a:latin typeface="Arial"/>
-                <a:ea typeface="Arial"/>
-                <a:cs typeface="Arial"/>
-                <a:sym typeface="Arial"/>
-              </a:rPr>
-              <a:t>@</a:t>
-            </a:r>
-            <a:r>
-              <a:rPr lang="en-US" sz="1600" b="0" i="0" u="none" strike="noStrike" cap="none" baseline="0" dirty="0" err="1" smtClean="0">
-                <a:solidFill>
-                  <a:schemeClr val="accent1"/>
-                </a:solidFill>
-                <a:latin typeface="Arial"/>
-                <a:ea typeface="Arial"/>
-                <a:cs typeface="Arial"/>
-                <a:sym typeface="Arial"/>
-              </a:rPr>
-              <a:t>JohnAaronNelson</a:t>
-            </a:r>
-            <a:endParaRPr lang="en-US" sz="1600" b="0" i="0" u="none" strike="noStrike" cap="none" baseline="0" dirty="0">
-              <a:solidFill>
-                <a:schemeClr val="accent1"/>
-              </a:solidFill>
-              <a:latin typeface="Arial"/>
-              <a:ea typeface="Arial"/>
-              <a:cs typeface="Arial"/>
-              <a:sym typeface="Arial"/>
-            </a:endParaRPr>
-          </a:p>
-          <a:p>
-            <a:pPr marL="0" marR="0" lvl="0" indent="0" algn="l" rtl="0">
-              <a:lnSpc>
-                <a:spcPct val="100000"/>
-              </a:lnSpc>
-              <a:spcBef>
-                <a:spcPts val="0"/>
-              </a:spcBef>
-              <a:spcAft>
-                <a:spcPts val="0"/>
-              </a:spcAft>
-              <a:buClr>
-                <a:srgbClr val="7F7F7F"/>
-              </a:buClr>
-              <a:buSzPct val="100000"/>
-              <a:buFont typeface="Arial"/>
-              <a:buChar char="​"/>
-            </a:pPr>
-            <a:r>
               <a:rPr lang="en-US" sz="1600" b="0" i="0" u="none" strike="noStrike" cap="none" baseline="0" dirty="0">
                 <a:solidFill>
                   <a:schemeClr val="accent1"/>
@@ -11147,7 +11002,15 @@
                   <a:schemeClr val="accent1"/>
                 </a:solidFill>
               </a:rPr>
-              <a:t>Open Source Stack</a:t>
+              <a:t>Open Source </a:t>
+            </a:r>
+            <a:r>
+              <a:rPr lang="en-US" sz="4400" dirty="0" smtClean="0">
+                <a:solidFill>
+                  <a:schemeClr val="accent1"/>
+                </a:solidFill>
+              </a:rPr>
+              <a:t>Stack</a:t>
             </a:r>
             <a:endParaRPr lang="en-US" sz="4400" dirty="0">
               <a:solidFill>
@@ -18107,7 +17970,15 @@
                   <a:schemeClr val="bg1"/>
                 </a:solidFill>
               </a:rPr>
-              <a:t>Senior Developer Evangelist</a:t>
+              <a:t>Developer </a:t>
+            </a:r>
+            <a:r>
+              <a:rPr lang="en-US" dirty="0" smtClean="0">
+                <a:solidFill>
+                  <a:schemeClr val="bg1"/>
+                </a:solidFill>
+              </a:rPr>
+              <a:t>Evangelist</a:t>
             </a:r>
             <a:endParaRPr lang="en-US" dirty="0">
               <a:solidFill>
